--- a/figures/figure_02.pptx
+++ b/figures/figure_02.pptx
@@ -104,19 +104,72 @@
       </a:defRPr>
     </a:lvl9pPr>
   </p:defaultTextStyle>
+  <p:extLst>
+    <p:ext uri="{EFAFB233-063F-42B5-8137-9DF3F51BA10A}">
+      <p15:sldGuideLst xmlns:p15="http://schemas.microsoft.com/office/powerpoint/2012/main"/>
+    </p:ext>
+  </p:extLst>
 </p:presentation>
 </file>
 
 <file path=ppt/revisionInfo.xml><?xml version="1.0" encoding="utf-8"?>
 <p1510:revInfo xmlns:a="http://schemas.openxmlformats.org/drawingml/2006/main" xmlns:r="http://schemas.openxmlformats.org/officeDocument/2006/relationships" xmlns:p1510="http://schemas.microsoft.com/office/powerpoint/2015/10/main">
   <p1510:revLst>
-    <p1510:client id="{8FCB52CF-1C67-44A7-9893-5E52E709F465}" v="3" dt="2023-11-28T19:36:16.425"/>
+    <p1510:client id="{FDBB1D68-C721-4CE0-9F21-FE7EBED7F512}" v="2" dt="2024-05-01T17:44:22.013"/>
   </p1510:revLst>
 </p1510:revInfo>
 </file>
 
 <file path=ppt/changesInfos/changesInfo1.xml><?xml version="1.0" encoding="utf-8"?>
 <pc:chgInfo xmlns:a="http://schemas.openxmlformats.org/drawingml/2006/main" xmlns:r="http://schemas.openxmlformats.org/officeDocument/2006/relationships" xmlns:ac="http://schemas.microsoft.com/office/drawing/2013/main/command" xmlns:pc="http://schemas.microsoft.com/office/powerpoint/2013/main/command">
+  <pc:docChgLst>
+    <pc:chgData name="Neil Gilbert" userId="2403ec6af305d8db" providerId="LiveId" clId="{FDBB1D68-C721-4CE0-9F21-FE7EBED7F512}"/>
+    <pc:docChg chg="custSel modSld">
+      <pc:chgData name="Neil Gilbert" userId="2403ec6af305d8db" providerId="LiveId" clId="{FDBB1D68-C721-4CE0-9F21-FE7EBED7F512}" dt="2024-05-01T17:44:35.632" v="13" actId="1076"/>
+      <pc:docMkLst>
+        <pc:docMk/>
+      </pc:docMkLst>
+      <pc:sldChg chg="addSp delSp modSp mod">
+        <pc:chgData name="Neil Gilbert" userId="2403ec6af305d8db" providerId="LiveId" clId="{FDBB1D68-C721-4CE0-9F21-FE7EBED7F512}" dt="2024-05-01T17:44:35.632" v="13" actId="1076"/>
+        <pc:sldMkLst>
+          <pc:docMk/>
+          <pc:sldMk cId="2369235694" sldId="256"/>
+        </pc:sldMkLst>
+        <pc:picChg chg="add mod">
+          <ac:chgData name="Neil Gilbert" userId="2403ec6af305d8db" providerId="LiveId" clId="{FDBB1D68-C721-4CE0-9F21-FE7EBED7F512}" dt="2024-05-01T17:44:08.437" v="5" actId="1076"/>
+          <ac:picMkLst>
+            <pc:docMk/>
+            <pc:sldMk cId="2369235694" sldId="256"/>
+            <ac:picMk id="3" creationId="{3937CFE0-649D-47CC-ABC7-AF3D24769511}"/>
+          </ac:picMkLst>
+        </pc:picChg>
+        <pc:picChg chg="add mod ord">
+          <ac:chgData name="Neil Gilbert" userId="2403ec6af305d8db" providerId="LiveId" clId="{FDBB1D68-C721-4CE0-9F21-FE7EBED7F512}" dt="2024-05-01T17:44:35.632" v="13" actId="1076"/>
+          <ac:picMkLst>
+            <pc:docMk/>
+            <pc:sldMk cId="2369235694" sldId="256"/>
+            <ac:picMk id="5" creationId="{9CD3C1A4-2DD6-D4D6-EE1B-BF4074144658}"/>
+          </ac:picMkLst>
+        </pc:picChg>
+        <pc:picChg chg="del">
+          <ac:chgData name="Neil Gilbert" userId="2403ec6af305d8db" providerId="LiveId" clId="{FDBB1D68-C721-4CE0-9F21-FE7EBED7F512}" dt="2024-05-01T17:43:54.073" v="0" actId="478"/>
+          <ac:picMkLst>
+            <pc:docMk/>
+            <pc:sldMk cId="2369235694" sldId="256"/>
+            <ac:picMk id="118" creationId="{534B8B15-3919-3BD6-7062-C57C839F8A87}"/>
+          </ac:picMkLst>
+        </pc:picChg>
+        <pc:picChg chg="del">
+          <ac:chgData name="Neil Gilbert" userId="2403ec6af305d8db" providerId="LiveId" clId="{FDBB1D68-C721-4CE0-9F21-FE7EBED7F512}" dt="2024-05-01T17:44:16.577" v="6" actId="478"/>
+          <ac:picMkLst>
+            <pc:docMk/>
+            <pc:sldMk cId="2369235694" sldId="256"/>
+            <ac:picMk id="123" creationId="{A582A744-5872-27DB-C9ED-9CEB3A3D1CEE}"/>
+          </ac:picMkLst>
+        </pc:picChg>
+      </pc:sldChg>
+    </pc:docChg>
+  </pc:docChgLst>
   <pc:docChgLst>
     <pc:chgData name="Neil Gilbert" userId="2403ec6af305d8db" providerId="LiveId" clId="{8FCB52CF-1C67-44A7-9893-5E52E709F465}"/>
     <pc:docChg chg="undo custSel modSld">
@@ -307,7 +360,7 @@
           <a:p>
             <a:fld id="{E0FF54E3-96A3-46B5-9F72-7256DC48B4AC}" type="datetimeFigureOut">
               <a:rPr lang="en-US" smtClean="0"/>
-              <a:t>11/28/2023</a:t>
+              <a:t>5/1/2024</a:t>
             </a:fld>
             <a:endParaRPr lang="en-US"/>
           </a:p>
@@ -477,7 +530,7 @@
           <a:p>
             <a:fld id="{E0FF54E3-96A3-46B5-9F72-7256DC48B4AC}" type="datetimeFigureOut">
               <a:rPr lang="en-US" smtClean="0"/>
-              <a:t>11/28/2023</a:t>
+              <a:t>5/1/2024</a:t>
             </a:fld>
             <a:endParaRPr lang="en-US"/>
           </a:p>
@@ -657,7 +710,7 @@
           <a:p>
             <a:fld id="{E0FF54E3-96A3-46B5-9F72-7256DC48B4AC}" type="datetimeFigureOut">
               <a:rPr lang="en-US" smtClean="0"/>
-              <a:t>11/28/2023</a:t>
+              <a:t>5/1/2024</a:t>
             </a:fld>
             <a:endParaRPr lang="en-US"/>
           </a:p>
@@ -827,7 +880,7 @@
           <a:p>
             <a:fld id="{E0FF54E3-96A3-46B5-9F72-7256DC48B4AC}" type="datetimeFigureOut">
               <a:rPr lang="en-US" smtClean="0"/>
-              <a:t>11/28/2023</a:t>
+              <a:t>5/1/2024</a:t>
             </a:fld>
             <a:endParaRPr lang="en-US"/>
           </a:p>
@@ -1071,7 +1124,7 @@
           <a:p>
             <a:fld id="{E0FF54E3-96A3-46B5-9F72-7256DC48B4AC}" type="datetimeFigureOut">
               <a:rPr lang="en-US" smtClean="0"/>
-              <a:t>11/28/2023</a:t>
+              <a:t>5/1/2024</a:t>
             </a:fld>
             <a:endParaRPr lang="en-US"/>
           </a:p>
@@ -1303,7 +1356,7 @@
           <a:p>
             <a:fld id="{E0FF54E3-96A3-46B5-9F72-7256DC48B4AC}" type="datetimeFigureOut">
               <a:rPr lang="en-US" smtClean="0"/>
-              <a:t>11/28/2023</a:t>
+              <a:t>5/1/2024</a:t>
             </a:fld>
             <a:endParaRPr lang="en-US"/>
           </a:p>
@@ -1670,7 +1723,7 @@
           <a:p>
             <a:fld id="{E0FF54E3-96A3-46B5-9F72-7256DC48B4AC}" type="datetimeFigureOut">
               <a:rPr lang="en-US" smtClean="0"/>
-              <a:t>11/28/2023</a:t>
+              <a:t>5/1/2024</a:t>
             </a:fld>
             <a:endParaRPr lang="en-US"/>
           </a:p>
@@ -1788,7 +1841,7 @@
           <a:p>
             <a:fld id="{E0FF54E3-96A3-46B5-9F72-7256DC48B4AC}" type="datetimeFigureOut">
               <a:rPr lang="en-US" smtClean="0"/>
-              <a:t>11/28/2023</a:t>
+              <a:t>5/1/2024</a:t>
             </a:fld>
             <a:endParaRPr lang="en-US"/>
           </a:p>
@@ -1883,7 +1936,7 @@
           <a:p>
             <a:fld id="{E0FF54E3-96A3-46B5-9F72-7256DC48B4AC}" type="datetimeFigureOut">
               <a:rPr lang="en-US" smtClean="0"/>
-              <a:t>11/28/2023</a:t>
+              <a:t>5/1/2024</a:t>
             </a:fld>
             <a:endParaRPr lang="en-US"/>
           </a:p>
@@ -2160,7 +2213,7 @@
           <a:p>
             <a:fld id="{E0FF54E3-96A3-46B5-9F72-7256DC48B4AC}" type="datetimeFigureOut">
               <a:rPr lang="en-US" smtClean="0"/>
-              <a:t>11/28/2023</a:t>
+              <a:t>5/1/2024</a:t>
             </a:fld>
             <a:endParaRPr lang="en-US"/>
           </a:p>
@@ -2417,7 +2470,7 @@
           <a:p>
             <a:fld id="{E0FF54E3-96A3-46B5-9F72-7256DC48B4AC}" type="datetimeFigureOut">
               <a:rPr lang="en-US" smtClean="0"/>
-              <a:t>11/28/2023</a:t>
+              <a:t>5/1/2024</a:t>
             </a:fld>
             <a:endParaRPr lang="en-US"/>
           </a:p>
@@ -2630,7 +2683,7 @@
           <a:p>
             <a:fld id="{E0FF54E3-96A3-46B5-9F72-7256DC48B4AC}" type="datetimeFigureOut">
               <a:rPr lang="en-US" smtClean="0"/>
-              <a:t>11/28/2023</a:t>
+              <a:t>5/1/2024</a:t>
             </a:fld>
             <a:endParaRPr lang="en-US"/>
           </a:p>
@@ -3037,10 +3090,10 @@
       </p:grpSpPr>
       <p:pic>
         <p:nvPicPr>
-          <p:cNvPr id="123" name="Picture 122" descr="A graph of a bar graph&#10;&#10;Description automatically generated with medium confidence">
+          <p:cNvPr id="5" name="Picture 4" descr="A graph of a bar graph&#10;&#10;Description automatically generated with medium confidence">
             <a:extLst>
               <a:ext uri="{FF2B5EF4-FFF2-40B4-BE49-F238E27FC236}">
-                <a16:creationId xmlns:a16="http://schemas.microsoft.com/office/drawing/2014/main" id="{A582A744-5872-27DB-C9ED-9CEB3A3D1CEE}"/>
+                <a16:creationId xmlns:a16="http://schemas.microsoft.com/office/drawing/2014/main" id="{9CD3C1A4-2DD6-D4D6-EE1B-BF4074144658}"/>
               </a:ext>
             </a:extLst>
           </p:cNvPr>
@@ -3063,7 +3116,7 @@
         </p:blipFill>
         <p:spPr>
           <a:xfrm>
-            <a:off x="46033" y="1753391"/>
+            <a:off x="40689" y="1761184"/>
             <a:ext cx="4572009" cy="2286005"/>
           </a:xfrm>
           <a:prstGeom prst="rect">
@@ -3203,41 +3256,6 @@
             </p:pic>
             <p:pic>
               <p:nvPicPr>
-                <p:cNvPr id="118" name="Picture 117" descr="A screenshot of a video game&#10;&#10;Description automatically generated">
-                  <a:extLst>
-                    <a:ext uri="{FF2B5EF4-FFF2-40B4-BE49-F238E27FC236}">
-                      <a16:creationId xmlns:a16="http://schemas.microsoft.com/office/drawing/2014/main" id="{534B8B15-3919-3BD6-7062-C57C839F8A87}"/>
-                    </a:ext>
-                  </a:extLst>
-                </p:cNvPr>
-                <p:cNvPicPr>
-                  <a:picLocks noChangeAspect="1"/>
-                </p:cNvPicPr>
-                <p:nvPr/>
-              </p:nvPicPr>
-              <p:blipFill rotWithShape="1">
-                <a:blip r:embed="rId5">
-                  <a:extLst>
-                    <a:ext uri="{28A0092B-C50C-407E-A947-70E740481C1C}">
-                      <a14:useLocalDpi xmlns:a14="http://schemas.microsoft.com/office/drawing/2010/main" val="0"/>
-                    </a:ext>
-                  </a:extLst>
-                </a:blip>
-                <a:srcRect l="12428" t="2932" r="13265" b="2715"/>
-                <a:stretch/>
-              </p:blipFill>
-              <p:spPr>
-                <a:xfrm>
-                  <a:off x="2385355" y="45720"/>
-                  <a:ext cx="1112045" cy="1412081"/>
-                </a:xfrm>
-                <a:prstGeom prst="rect">
-                  <a:avLst/>
-                </a:prstGeom>
-              </p:spPr>
-            </p:pic>
-            <p:pic>
-              <p:nvPicPr>
                 <p:cNvPr id="119" name="Picture 118" descr="A close up of a black background&#10;&#10;Description automatically generated">
                   <a:extLst>
                     <a:ext uri="{FF2B5EF4-FFF2-40B4-BE49-F238E27FC236}">
@@ -3251,7 +3269,7 @@
                 <p:nvPr/>
               </p:nvPicPr>
               <p:blipFill rotWithShape="1">
-                <a:blip r:embed="rId6">
+                <a:blip r:embed="rId5">
                   <a:extLst>
                     <a:ext uri="{28A0092B-C50C-407E-A947-70E740481C1C}">
                       <a14:useLocalDpi xmlns:a14="http://schemas.microsoft.com/office/drawing/2010/main" val="0"/>
@@ -3524,6 +3542,42 @@
           </p:txBody>
         </p:sp>
       </p:grpSp>
+      <p:pic>
+        <p:nvPicPr>
+          <p:cNvPr id="3" name="Picture 2" descr="A screenshot of a video game&#10;&#10;Description automatically generated">
+            <a:extLst>
+              <a:ext uri="{FF2B5EF4-FFF2-40B4-BE49-F238E27FC236}">
+                <a16:creationId xmlns:a16="http://schemas.microsoft.com/office/drawing/2014/main" id="{3937CFE0-649D-47CC-ABC7-AF3D24769511}"/>
+              </a:ext>
+            </a:extLst>
+          </p:cNvPr>
+          <p:cNvPicPr>
+            <a:picLocks noChangeAspect="1"/>
+          </p:cNvPicPr>
+          <p:nvPr/>
+        </p:nvPicPr>
+        <p:blipFill>
+          <a:blip r:embed="rId6">
+            <a:extLst>
+              <a:ext uri="{28A0092B-C50C-407E-A947-70E740481C1C}">
+                <a14:useLocalDpi xmlns:a14="http://schemas.microsoft.com/office/drawing/2010/main" val="0"/>
+              </a:ext>
+            </a:extLst>
+          </a:blip>
+          <a:stretch>
+            <a:fillRect/>
+          </a:stretch>
+        </p:blipFill>
+        <p:spPr>
+          <a:xfrm>
+            <a:off x="2225451" y="204589"/>
+            <a:ext cx="1496571" cy="1496571"/>
+          </a:xfrm>
+          <a:prstGeom prst="rect">
+            <a:avLst/>
+          </a:prstGeom>
+        </p:spPr>
+      </p:pic>
     </p:spTree>
     <p:extLst>
       <p:ext uri="{BB962C8B-B14F-4D97-AF65-F5344CB8AC3E}">
